--- a/assets/images/210127-GACnet/GACnet.pptx
+++ b/assets/images/210127-GACnet/GACnet.pptx
@@ -5,15 +5,16 @@
     <p:sldMasterId id="2147483648" r:id="rId1"/>
   </p:sldMasterIdLst>
   <p:sldIdLst>
-    <p:sldId id="263" r:id="rId2"/>
-    <p:sldId id="256" r:id="rId3"/>
-    <p:sldId id="257" r:id="rId4"/>
-    <p:sldId id="258" r:id="rId5"/>
-    <p:sldId id="259" r:id="rId6"/>
-    <p:sldId id="260" r:id="rId7"/>
-    <p:sldId id="261" r:id="rId8"/>
-    <p:sldId id="262" r:id="rId9"/>
-    <p:sldId id="264" r:id="rId10"/>
+    <p:sldId id="265" r:id="rId2"/>
+    <p:sldId id="263" r:id="rId3"/>
+    <p:sldId id="256" r:id="rId4"/>
+    <p:sldId id="257" r:id="rId5"/>
+    <p:sldId id="258" r:id="rId6"/>
+    <p:sldId id="259" r:id="rId7"/>
+    <p:sldId id="260" r:id="rId8"/>
+    <p:sldId id="261" r:id="rId9"/>
+    <p:sldId id="262" r:id="rId10"/>
+    <p:sldId id="264" r:id="rId11"/>
   </p:sldIdLst>
   <p:sldSz cx="12192000" cy="6858000"/>
   <p:notesSz cx="6858000" cy="9144000"/>
@@ -267,7 +268,7 @@
           <a:p>
             <a:fld id="{C92EEAC3-B2A5-4093-B88F-4517411351DE}" type="datetimeFigureOut">
               <a:rPr lang="ko-KR" altLang="en-US" smtClean="0"/>
-              <a:t>2021-01-27</a:t>
+              <a:t>2021-02-09</a:t>
             </a:fld>
             <a:endParaRPr lang="ko-KR" altLang="en-US"/>
           </a:p>
@@ -465,7 +466,7 @@
           <a:p>
             <a:fld id="{C92EEAC3-B2A5-4093-B88F-4517411351DE}" type="datetimeFigureOut">
               <a:rPr lang="ko-KR" altLang="en-US" smtClean="0"/>
-              <a:t>2021-01-27</a:t>
+              <a:t>2021-02-09</a:t>
             </a:fld>
             <a:endParaRPr lang="ko-KR" altLang="en-US"/>
           </a:p>
@@ -673,7 +674,7 @@
           <a:p>
             <a:fld id="{C92EEAC3-B2A5-4093-B88F-4517411351DE}" type="datetimeFigureOut">
               <a:rPr lang="ko-KR" altLang="en-US" smtClean="0"/>
-              <a:t>2021-01-27</a:t>
+              <a:t>2021-02-09</a:t>
             </a:fld>
             <a:endParaRPr lang="ko-KR" altLang="en-US"/>
           </a:p>
@@ -871,7 +872,7 @@
           <a:p>
             <a:fld id="{C92EEAC3-B2A5-4093-B88F-4517411351DE}" type="datetimeFigureOut">
               <a:rPr lang="ko-KR" altLang="en-US" smtClean="0"/>
-              <a:t>2021-01-27</a:t>
+              <a:t>2021-02-09</a:t>
             </a:fld>
             <a:endParaRPr lang="ko-KR" altLang="en-US"/>
           </a:p>
@@ -1146,7 +1147,7 @@
           <a:p>
             <a:fld id="{C92EEAC3-B2A5-4093-B88F-4517411351DE}" type="datetimeFigureOut">
               <a:rPr lang="ko-KR" altLang="en-US" smtClean="0"/>
-              <a:t>2021-01-27</a:t>
+              <a:t>2021-02-09</a:t>
             </a:fld>
             <a:endParaRPr lang="ko-KR" altLang="en-US"/>
           </a:p>
@@ -1411,7 +1412,7 @@
           <a:p>
             <a:fld id="{C92EEAC3-B2A5-4093-B88F-4517411351DE}" type="datetimeFigureOut">
               <a:rPr lang="ko-KR" altLang="en-US" smtClean="0"/>
-              <a:t>2021-01-27</a:t>
+              <a:t>2021-02-09</a:t>
             </a:fld>
             <a:endParaRPr lang="ko-KR" altLang="en-US"/>
           </a:p>
@@ -1823,7 +1824,7 @@
           <a:p>
             <a:fld id="{C92EEAC3-B2A5-4093-B88F-4517411351DE}" type="datetimeFigureOut">
               <a:rPr lang="ko-KR" altLang="en-US" smtClean="0"/>
-              <a:t>2021-01-27</a:t>
+              <a:t>2021-02-09</a:t>
             </a:fld>
             <a:endParaRPr lang="ko-KR" altLang="en-US"/>
           </a:p>
@@ -1964,7 +1965,7 @@
           <a:p>
             <a:fld id="{C92EEAC3-B2A5-4093-B88F-4517411351DE}" type="datetimeFigureOut">
               <a:rPr lang="ko-KR" altLang="en-US" smtClean="0"/>
-              <a:t>2021-01-27</a:t>
+              <a:t>2021-02-09</a:t>
             </a:fld>
             <a:endParaRPr lang="ko-KR" altLang="en-US"/>
           </a:p>
@@ -2077,7 +2078,7 @@
           <a:p>
             <a:fld id="{C92EEAC3-B2A5-4093-B88F-4517411351DE}" type="datetimeFigureOut">
               <a:rPr lang="ko-KR" altLang="en-US" smtClean="0"/>
-              <a:t>2021-01-27</a:t>
+              <a:t>2021-02-09</a:t>
             </a:fld>
             <a:endParaRPr lang="ko-KR" altLang="en-US"/>
           </a:p>
@@ -2388,7 +2389,7 @@
           <a:p>
             <a:fld id="{C92EEAC3-B2A5-4093-B88F-4517411351DE}" type="datetimeFigureOut">
               <a:rPr lang="ko-KR" altLang="en-US" smtClean="0"/>
-              <a:t>2021-01-27</a:t>
+              <a:t>2021-02-09</a:t>
             </a:fld>
             <a:endParaRPr lang="ko-KR" altLang="en-US"/>
           </a:p>
@@ -2676,7 +2677,7 @@
           <a:p>
             <a:fld id="{C92EEAC3-B2A5-4093-B88F-4517411351DE}" type="datetimeFigureOut">
               <a:rPr lang="ko-KR" altLang="en-US" smtClean="0"/>
-              <a:t>2021-01-27</a:t>
+              <a:t>2021-02-09</a:t>
             </a:fld>
             <a:endParaRPr lang="ko-KR" altLang="en-US"/>
           </a:p>
@@ -2917,7 +2918,7 @@
           <a:p>
             <a:fld id="{C92EEAC3-B2A5-4093-B88F-4517411351DE}" type="datetimeFigureOut">
               <a:rPr lang="ko-KR" altLang="en-US" smtClean="0"/>
-              <a:t>2021-01-27</a:t>
+              <a:t>2021-02-09</a:t>
             </a:fld>
             <a:endParaRPr lang="ko-KR" altLang="en-US"/>
           </a:p>
@@ -3334,6 +3335,199 @@
           <a:chExt cx="0" cy="0"/>
         </a:xfrm>
       </p:grpSpPr>
+      <p:grpSp>
+        <p:nvGrpSpPr>
+          <p:cNvPr id="4" name="그룹 3">
+            <a:extLst>
+              <a:ext uri="{FF2B5EF4-FFF2-40B4-BE49-F238E27FC236}">
+                <a16:creationId xmlns:a16="http://schemas.microsoft.com/office/drawing/2014/main" id="{E6D52221-F4A0-4C1B-B17B-71A621BBBDE1}"/>
+              </a:ext>
+            </a:extLst>
+          </p:cNvPr>
+          <p:cNvGrpSpPr/>
+          <p:nvPr/>
+        </p:nvGrpSpPr>
+        <p:grpSpPr>
+          <a:xfrm>
+            <a:off x="2475345" y="1117600"/>
+            <a:ext cx="7176654" cy="4184073"/>
+            <a:chOff x="2475345" y="1117600"/>
+            <a:chExt cx="7176654" cy="4184073"/>
+          </a:xfrm>
+        </p:grpSpPr>
+        <p:sp>
+          <p:nvSpPr>
+            <p:cNvPr id="2" name="직사각형 1">
+              <a:extLst>
+                <a:ext uri="{FF2B5EF4-FFF2-40B4-BE49-F238E27FC236}">
+                  <a16:creationId xmlns:a16="http://schemas.microsoft.com/office/drawing/2014/main" id="{AA0D6A58-0D57-4B82-9461-0F168DD2E50E}"/>
+                </a:ext>
+              </a:extLst>
+            </p:cNvPr>
+            <p:cNvSpPr/>
+            <p:nvPr/>
+          </p:nvSpPr>
+          <p:spPr>
+            <a:xfrm>
+              <a:off x="2475345" y="1117600"/>
+              <a:ext cx="7176654" cy="4184073"/>
+            </a:xfrm>
+            <a:prstGeom prst="rect">
+              <a:avLst/>
+            </a:prstGeom>
+            <a:solidFill>
+              <a:schemeClr val="bg1"/>
+            </a:solidFill>
+            <a:ln>
+              <a:noFill/>
+            </a:ln>
+          </p:spPr>
+          <p:style>
+            <a:lnRef idx="2">
+              <a:schemeClr val="accent1">
+                <a:shade val="50000"/>
+              </a:schemeClr>
+            </a:lnRef>
+            <a:fillRef idx="1">
+              <a:schemeClr val="accent1"/>
+            </a:fillRef>
+            <a:effectRef idx="0">
+              <a:schemeClr val="accent1"/>
+            </a:effectRef>
+            <a:fontRef idx="minor">
+              <a:schemeClr val="lt1"/>
+            </a:fontRef>
+          </p:style>
+          <p:txBody>
+            <a:bodyPr rtlCol="0" anchor="ctr"/>
+            <a:lstStyle/>
+            <a:p>
+              <a:pPr algn="ctr"/>
+              <a:endParaRPr lang="ko-KR" altLang="en-US"/>
+            </a:p>
+          </p:txBody>
+        </p:sp>
+        <p:pic>
+          <p:nvPicPr>
+            <p:cNvPr id="3" name="그림 2">
+              <a:extLst>
+                <a:ext uri="{FF2B5EF4-FFF2-40B4-BE49-F238E27FC236}">
+                  <a16:creationId xmlns:a16="http://schemas.microsoft.com/office/drawing/2014/main" id="{994DA522-3F06-4A38-B0AB-5FF30143D2E7}"/>
+                </a:ext>
+              </a:extLst>
+            </p:cNvPr>
+            <p:cNvPicPr>
+              <a:picLocks noChangeAspect="1"/>
+            </p:cNvPicPr>
+            <p:nvPr/>
+          </p:nvPicPr>
+          <p:blipFill>
+            <a:blip r:embed="rId2"/>
+            <a:stretch>
+              <a:fillRect/>
+            </a:stretch>
+          </p:blipFill>
+          <p:spPr>
+            <a:xfrm>
+              <a:off x="3328173" y="2072959"/>
+              <a:ext cx="5535653" cy="2212714"/>
+            </a:xfrm>
+            <a:prstGeom prst="rect">
+              <a:avLst/>
+            </a:prstGeom>
+          </p:spPr>
+        </p:pic>
+      </p:grpSp>
+    </p:spTree>
+    <p:extLst>
+      <p:ext uri="{BB962C8B-B14F-4D97-AF65-F5344CB8AC3E}">
+        <p14:creationId xmlns:p14="http://schemas.microsoft.com/office/powerpoint/2010/main" val="1011727319"/>
+      </p:ext>
+    </p:extLst>
+  </p:cSld>
+  <p:clrMapOvr>
+    <a:masterClrMapping/>
+  </p:clrMapOvr>
+</p:sld>
+</file>
+
+<file path=ppt/slides/slide10.xml><?xml version="1.0" encoding="utf-8"?>
+<p:sld xmlns:a="http://schemas.openxmlformats.org/drawingml/2006/main" xmlns:r="http://schemas.openxmlformats.org/officeDocument/2006/relationships" xmlns:p="http://schemas.openxmlformats.org/presentationml/2006/main">
+  <p:cSld>
+    <p:spTree>
+      <p:nvGrpSpPr>
+        <p:cNvPr id="1" name=""/>
+        <p:cNvGrpSpPr/>
+        <p:nvPr/>
+      </p:nvGrpSpPr>
+      <p:grpSpPr>
+        <a:xfrm>
+          <a:off x="0" y="0"/>
+          <a:ext cx="0" cy="0"/>
+          <a:chOff x="0" y="0"/>
+          <a:chExt cx="0" cy="0"/>
+        </a:xfrm>
+      </p:grpSpPr>
+      <p:pic>
+        <p:nvPicPr>
+          <p:cNvPr id="5" name="그림 4">
+            <a:extLst>
+              <a:ext uri="{FF2B5EF4-FFF2-40B4-BE49-F238E27FC236}">
+                <a16:creationId xmlns:a16="http://schemas.microsoft.com/office/drawing/2014/main" id="{E42C33BC-9BAE-46D8-98E8-4D0083B8822F}"/>
+              </a:ext>
+            </a:extLst>
+          </p:cNvPr>
+          <p:cNvPicPr>
+            <a:picLocks noChangeAspect="1"/>
+          </p:cNvPicPr>
+          <p:nvPr/>
+        </p:nvPicPr>
+        <p:blipFill>
+          <a:blip r:embed="rId2"/>
+          <a:stretch>
+            <a:fillRect/>
+          </a:stretch>
+        </p:blipFill>
+        <p:spPr>
+          <a:xfrm>
+            <a:off x="3253563" y="2519025"/>
+            <a:ext cx="5684874" cy="1819949"/>
+          </a:xfrm>
+          <a:prstGeom prst="rect">
+            <a:avLst/>
+          </a:prstGeom>
+        </p:spPr>
+      </p:pic>
+    </p:spTree>
+    <p:extLst>
+      <p:ext uri="{BB962C8B-B14F-4D97-AF65-F5344CB8AC3E}">
+        <p14:creationId xmlns:p14="http://schemas.microsoft.com/office/powerpoint/2010/main" val="2784168005"/>
+      </p:ext>
+    </p:extLst>
+  </p:cSld>
+  <p:clrMapOvr>
+    <a:masterClrMapping/>
+  </p:clrMapOvr>
+</p:sld>
+</file>
+
+<file path=ppt/slides/slide2.xml><?xml version="1.0" encoding="utf-8"?>
+<p:sld xmlns:a="http://schemas.openxmlformats.org/drawingml/2006/main" xmlns:r="http://schemas.openxmlformats.org/officeDocument/2006/relationships" xmlns:p="http://schemas.openxmlformats.org/presentationml/2006/main">
+  <p:cSld>
+    <p:spTree>
+      <p:nvGrpSpPr>
+        <p:cNvPr id="1" name=""/>
+        <p:cNvGrpSpPr/>
+        <p:nvPr/>
+      </p:nvGrpSpPr>
+      <p:grpSpPr>
+        <a:xfrm>
+          <a:off x="0" y="0"/>
+          <a:ext cx="0" cy="0"/>
+          <a:chOff x="0" y="0"/>
+          <a:chExt cx="0" cy="0"/>
+        </a:xfrm>
+      </p:grpSpPr>
       <p:pic>
         <p:nvPicPr>
           <p:cNvPr id="3" name="그림 2">
@@ -3377,7 +3571,7 @@
 </p:sld>
 </file>
 
-<file path=ppt/slides/slide2.xml><?xml version="1.0" encoding="utf-8"?>
+<file path=ppt/slides/slide3.xml><?xml version="1.0" encoding="utf-8"?>
 <p:sld xmlns:a="http://schemas.openxmlformats.org/drawingml/2006/main" xmlns:r="http://schemas.openxmlformats.org/officeDocument/2006/relationships" xmlns:p="http://schemas.openxmlformats.org/presentationml/2006/main">
   <p:cSld>
     <p:spTree>
@@ -3437,7 +3631,7 @@
 </p:sld>
 </file>
 
-<file path=ppt/slides/slide3.xml><?xml version="1.0" encoding="utf-8"?>
+<file path=ppt/slides/slide4.xml><?xml version="1.0" encoding="utf-8"?>
 <p:sld xmlns:a="http://schemas.openxmlformats.org/drawingml/2006/main" xmlns:r="http://schemas.openxmlformats.org/officeDocument/2006/relationships" xmlns:p="http://schemas.openxmlformats.org/presentationml/2006/main">
   <p:cSld>
     <p:spTree>
@@ -3497,7 +3691,7 @@
 </p:sld>
 </file>
 
-<file path=ppt/slides/slide4.xml><?xml version="1.0" encoding="utf-8"?>
+<file path=ppt/slides/slide5.xml><?xml version="1.0" encoding="utf-8"?>
 <p:sld xmlns:a="http://schemas.openxmlformats.org/drawingml/2006/main" xmlns:r="http://schemas.openxmlformats.org/officeDocument/2006/relationships" xmlns:p="http://schemas.openxmlformats.org/presentationml/2006/main">
   <p:cSld>
     <p:spTree>
@@ -3557,7 +3751,7 @@
 </p:sld>
 </file>
 
-<file path=ppt/slides/slide5.xml><?xml version="1.0" encoding="utf-8"?>
+<file path=ppt/slides/slide6.xml><?xml version="1.0" encoding="utf-8"?>
 <p:sld xmlns:a="http://schemas.openxmlformats.org/drawingml/2006/main" xmlns:r="http://schemas.openxmlformats.org/officeDocument/2006/relationships" xmlns:p="http://schemas.openxmlformats.org/presentationml/2006/main">
   <p:cSld>
     <p:spTree>
@@ -3617,7 +3811,7 @@
 </p:sld>
 </file>
 
-<file path=ppt/slides/slide6.xml><?xml version="1.0" encoding="utf-8"?>
+<file path=ppt/slides/slide7.xml><?xml version="1.0" encoding="utf-8"?>
 <p:sld xmlns:a="http://schemas.openxmlformats.org/drawingml/2006/main" xmlns:r="http://schemas.openxmlformats.org/officeDocument/2006/relationships" xmlns:p="http://schemas.openxmlformats.org/presentationml/2006/main">
   <p:cSld>
     <p:spTree>
@@ -3677,7 +3871,7 @@
 </p:sld>
 </file>
 
-<file path=ppt/slides/slide7.xml><?xml version="1.0" encoding="utf-8"?>
+<file path=ppt/slides/slide8.xml><?xml version="1.0" encoding="utf-8"?>
 <p:sld xmlns:a="http://schemas.openxmlformats.org/drawingml/2006/main" xmlns:r="http://schemas.openxmlformats.org/officeDocument/2006/relationships" xmlns:p="http://schemas.openxmlformats.org/presentationml/2006/main">
   <p:cSld>
     <p:spTree>
@@ -3737,7 +3931,7 @@
 </p:sld>
 </file>
 
-<file path=ppt/slides/slide8.xml><?xml version="1.0" encoding="utf-8"?>
+<file path=ppt/slides/slide9.xml><?xml version="1.0" encoding="utf-8"?>
 <p:sld xmlns:a="http://schemas.openxmlformats.org/drawingml/2006/main" xmlns:r="http://schemas.openxmlformats.org/officeDocument/2006/relationships" xmlns:p="http://schemas.openxmlformats.org/presentationml/2006/main">
   <p:cSld>
     <p:spTree>
@@ -3788,66 +3982,6 @@
     <p:extLst>
       <p:ext uri="{BB962C8B-B14F-4D97-AF65-F5344CB8AC3E}">
         <p14:creationId xmlns:p14="http://schemas.microsoft.com/office/powerpoint/2010/main" val="1452923765"/>
-      </p:ext>
-    </p:extLst>
-  </p:cSld>
-  <p:clrMapOvr>
-    <a:masterClrMapping/>
-  </p:clrMapOvr>
-</p:sld>
-</file>
-
-<file path=ppt/slides/slide9.xml><?xml version="1.0" encoding="utf-8"?>
-<p:sld xmlns:a="http://schemas.openxmlformats.org/drawingml/2006/main" xmlns:r="http://schemas.openxmlformats.org/officeDocument/2006/relationships" xmlns:p="http://schemas.openxmlformats.org/presentationml/2006/main">
-  <p:cSld>
-    <p:spTree>
-      <p:nvGrpSpPr>
-        <p:cNvPr id="1" name=""/>
-        <p:cNvGrpSpPr/>
-        <p:nvPr/>
-      </p:nvGrpSpPr>
-      <p:grpSpPr>
-        <a:xfrm>
-          <a:off x="0" y="0"/>
-          <a:ext cx="0" cy="0"/>
-          <a:chOff x="0" y="0"/>
-          <a:chExt cx="0" cy="0"/>
-        </a:xfrm>
-      </p:grpSpPr>
-      <p:pic>
-        <p:nvPicPr>
-          <p:cNvPr id="5" name="그림 4">
-            <a:extLst>
-              <a:ext uri="{FF2B5EF4-FFF2-40B4-BE49-F238E27FC236}">
-                <a16:creationId xmlns:a16="http://schemas.microsoft.com/office/drawing/2014/main" id="{E42C33BC-9BAE-46D8-98E8-4D0083B8822F}"/>
-              </a:ext>
-            </a:extLst>
-          </p:cNvPr>
-          <p:cNvPicPr>
-            <a:picLocks noChangeAspect="1"/>
-          </p:cNvPicPr>
-          <p:nvPr/>
-        </p:nvPicPr>
-        <p:blipFill>
-          <a:blip r:embed="rId2"/>
-          <a:stretch>
-            <a:fillRect/>
-          </a:stretch>
-        </p:blipFill>
-        <p:spPr>
-          <a:xfrm>
-            <a:off x="3253563" y="2519025"/>
-            <a:ext cx="5684874" cy="1819949"/>
-          </a:xfrm>
-          <a:prstGeom prst="rect">
-            <a:avLst/>
-          </a:prstGeom>
-        </p:spPr>
-      </p:pic>
-    </p:spTree>
-    <p:extLst>
-      <p:ext uri="{BB962C8B-B14F-4D97-AF65-F5344CB8AC3E}">
-        <p14:creationId xmlns:p14="http://schemas.microsoft.com/office/powerpoint/2010/main" val="2784168005"/>
       </p:ext>
     </p:extLst>
   </p:cSld>
